--- a/TravelRecs Presentation Slides.pptx
+++ b/TravelRecs Presentation Slides.pptx
@@ -23130,7 +23130,7 @@
         </p:blipFill>
         <p:spPr>
           <a:xfrm>
-            <a:off x="443552" y="1960007"/>
+            <a:off x="435756" y="1848133"/>
             <a:ext cx="5655543" cy="1959138"/>
           </a:xfrm>
           <a:prstGeom prst="rect">
@@ -23160,7 +23160,7 @@
         </p:blipFill>
         <p:spPr>
           <a:xfrm>
-            <a:off x="6091299" y="3467007"/>
+            <a:off x="6099095" y="3505014"/>
             <a:ext cx="5642516" cy="2873723"/>
           </a:xfrm>
           <a:prstGeom prst="rect">
@@ -23184,14 +23184,43 @@
         </p:nvPicPr>
         <p:blipFill>
           <a:blip r:embed="rId5"/>
+          <a:srcRect b="39976"/>
+          <a:stretch/>
+        </p:blipFill>
+        <p:spPr>
+          <a:xfrm>
+            <a:off x="443552" y="3809315"/>
+            <a:ext cx="5655543" cy="1452270"/>
+          </a:xfrm>
+          <a:prstGeom prst="rect">
+            <a:avLst/>
+          </a:prstGeom>
+        </p:spPr>
+      </p:pic>
+      <p:pic>
+        <p:nvPicPr>
+          <p:cNvPr id="4" name="Picture 3">
+            <a:extLst>
+              <a:ext uri="{FF2B5EF4-FFF2-40B4-BE49-F238E27FC236}">
+                <a16:creationId xmlns:a16="http://schemas.microsoft.com/office/drawing/2014/main" id="{359AAD5D-1E0F-964C-75E1-71858D0E4929}"/>
+              </a:ext>
+            </a:extLst>
+          </p:cNvPr>
+          <p:cNvPicPr>
+            <a:picLocks noChangeAspect="1"/>
+          </p:cNvPicPr>
+          <p:nvPr/>
+        </p:nvPicPr>
+        <p:blipFill>
+          <a:blip r:embed="rId6"/>
           <a:stretch>
             <a:fillRect/>
           </a:stretch>
         </p:blipFill>
         <p:spPr>
           <a:xfrm>
-            <a:off x="443552" y="3931523"/>
-            <a:ext cx="5655543" cy="2419481"/>
+            <a:off x="443552" y="5261585"/>
+            <a:ext cx="5680433" cy="1117152"/>
           </a:xfrm>
           <a:prstGeom prst="rect">
             <a:avLst/>
@@ -24738,12 +24767,23 @@
 </file>
 
 <file path=customXml/item1.xml><?xml version="1.0" encoding="utf-8"?>
-<?mso-contentType ?>
-<FormTemplates xmlns="http://schemas.microsoft.com/sharepoint/v3/contenttype/forms">
-  <Display>DocumentLibraryForm</Display>
-  <Edit>DocumentLibraryForm</Edit>
-  <New>DocumentLibraryForm</New>
-</FormTemplates>
+<p:properties xmlns:p="http://schemas.microsoft.com/office/2006/metadata/properties" xmlns:xsi="http://www.w3.org/2001/XMLSchema-instance" xmlns:pc="http://schemas.microsoft.com/office/infopath/2007/PartnerControls">
+  <documentManagement>
+    <_ip_UnifiedCompliancePolicyUIAction xmlns="http://schemas.microsoft.com/sharepoint/v3" xsi:nil="true"/>
+    <Image xmlns="71af3243-3dd4-4a8d-8c0d-dd76da1f02a5">
+      <Url xsi:nil="true"/>
+      <Description xsi:nil="true"/>
+    </Image>
+    <Status xmlns="71af3243-3dd4-4a8d-8c0d-dd76da1f02a5">Not started</Status>
+    <Background xmlns="71af3243-3dd4-4a8d-8c0d-dd76da1f02a5">false</Background>
+    <_ip_UnifiedCompliancePolicyProperties xmlns="http://schemas.microsoft.com/sharepoint/v3" xsi:nil="true"/>
+    <ImageTagsTaxHTField xmlns="71af3243-3dd4-4a8d-8c0d-dd76da1f02a5">
+      <Terms xmlns="http://schemas.microsoft.com/office/infopath/2007/PartnerControls"/>
+    </ImageTagsTaxHTField>
+    <TaxCatchAll xmlns="230e9df3-be65-4c73-a93b-d1236ebd677e" xsi:nil="true"/>
+    <MediaServiceKeyPoints xmlns="71af3243-3dd4-4a8d-8c0d-dd76da1f02a5" xsi:nil="true"/>
+  </documentManagement>
+</p:properties>
 </file>
 
 <file path=customXml/item2.xml><?xml version="1.0" encoding="utf-8"?>
@@ -25059,29 +25099,22 @@
 </file>
 
 <file path=customXml/item3.xml><?xml version="1.0" encoding="utf-8"?>
-<p:properties xmlns:p="http://schemas.microsoft.com/office/2006/metadata/properties" xmlns:xsi="http://www.w3.org/2001/XMLSchema-instance" xmlns:pc="http://schemas.microsoft.com/office/infopath/2007/PartnerControls">
-  <documentManagement>
-    <_ip_UnifiedCompliancePolicyUIAction xmlns="http://schemas.microsoft.com/sharepoint/v3" xsi:nil="true"/>
-    <Image xmlns="71af3243-3dd4-4a8d-8c0d-dd76da1f02a5">
-      <Url xsi:nil="true"/>
-      <Description xsi:nil="true"/>
-    </Image>
-    <Status xmlns="71af3243-3dd4-4a8d-8c0d-dd76da1f02a5">Not started</Status>
-    <Background xmlns="71af3243-3dd4-4a8d-8c0d-dd76da1f02a5">false</Background>
-    <_ip_UnifiedCompliancePolicyProperties xmlns="http://schemas.microsoft.com/sharepoint/v3" xsi:nil="true"/>
-    <ImageTagsTaxHTField xmlns="71af3243-3dd4-4a8d-8c0d-dd76da1f02a5">
-      <Terms xmlns="http://schemas.microsoft.com/office/infopath/2007/PartnerControls"/>
-    </ImageTagsTaxHTField>
-    <TaxCatchAll xmlns="230e9df3-be65-4c73-a93b-d1236ebd677e" xsi:nil="true"/>
-    <MediaServiceKeyPoints xmlns="71af3243-3dd4-4a8d-8c0d-dd76da1f02a5" xsi:nil="true"/>
-  </documentManagement>
-</p:properties>
+<?mso-contentType ?>
+<FormTemplates xmlns="http://schemas.microsoft.com/sharepoint/v3/contenttype/forms">
+  <Display>DocumentLibraryForm</Display>
+  <Edit>DocumentLibraryForm</Edit>
+  <New>DocumentLibraryForm</New>
+</FormTemplates>
 </file>
 
 <file path=customXml/itemProps1.xml><?xml version="1.0" encoding="utf-8"?>
-<ds:datastoreItem xmlns:ds="http://schemas.openxmlformats.org/officeDocument/2006/customXml" ds:itemID="{DE99543C-82E8-4821-93BD-5A60BEB423E2}">
+<ds:datastoreItem xmlns:ds="http://schemas.openxmlformats.org/officeDocument/2006/customXml" ds:itemID="{A7FA76D1-3C6D-40BC-A42D-496B6EDE8B8C}">
   <ds:schemaRefs>
-    <ds:schemaRef ds:uri="http://schemas.microsoft.com/sharepoint/v3/contenttype/forms"/>
+    <ds:schemaRef ds:uri="http://schemas.microsoft.com/office/2006/metadata/properties"/>
+    <ds:schemaRef ds:uri="http://schemas.microsoft.com/office/infopath/2007/PartnerControls"/>
+    <ds:schemaRef ds:uri="http://schemas.microsoft.com/sharepoint/v3"/>
+    <ds:schemaRef ds:uri="71af3243-3dd4-4a8d-8c0d-dd76da1f02a5"/>
+    <ds:schemaRef ds:uri="230e9df3-be65-4c73-a93b-d1236ebd677e"/>
   </ds:schemaRefs>
 </ds:datastoreItem>
 </file>
@@ -25108,13 +25141,9 @@
 </file>
 
 <file path=customXml/itemProps3.xml><?xml version="1.0" encoding="utf-8"?>
-<ds:datastoreItem xmlns:ds="http://schemas.openxmlformats.org/officeDocument/2006/customXml" ds:itemID="{A7FA76D1-3C6D-40BC-A42D-496B6EDE8B8C}">
+<ds:datastoreItem xmlns:ds="http://schemas.openxmlformats.org/officeDocument/2006/customXml" ds:itemID="{DE99543C-82E8-4821-93BD-5A60BEB423E2}">
   <ds:schemaRefs>
-    <ds:schemaRef ds:uri="http://schemas.microsoft.com/office/2006/metadata/properties"/>
-    <ds:schemaRef ds:uri="http://schemas.microsoft.com/office/infopath/2007/PartnerControls"/>
-    <ds:schemaRef ds:uri="http://schemas.microsoft.com/sharepoint/v3"/>
-    <ds:schemaRef ds:uri="71af3243-3dd4-4a8d-8c0d-dd76da1f02a5"/>
-    <ds:schemaRef ds:uri="230e9df3-be65-4c73-a93b-d1236ebd677e"/>
+    <ds:schemaRef ds:uri="http://schemas.microsoft.com/sharepoint/v3/contenttype/forms"/>
   </ds:schemaRefs>
 </ds:datastoreItem>
 </file>
